--- a/vari_temi.pptx
+++ b/vari_temi.pptx
@@ -6,9 +6,6 @@
   </p:sldMasterIdLst>
   <p:sldIdLst>
     <p:sldId id="257" r:id="rId2"/>
-    <p:sldId id="258" r:id="rId3"/>
-    <p:sldId id="256" r:id="rId4"/>
-    <p:sldId id="259" r:id="rId5"/>
   </p:sldIdLst>
   <p:sldSz cx="12192000" cy="6858000"/>
   <p:notesSz cx="6858000" cy="9144000"/>
@@ -109,7 +106,7 @@
   </p:defaultTextStyle>
   <p:extLst>
     <p:ext uri="{EFAFB233-063F-42B5-8137-9DF3F51BA10A}">
-      <p15:sldGuideLst xmlns:p15="http://schemas.microsoft.com/office/powerpoint/2012/main"/>
+      <p15:sldGuideLst xmlns:p15="http://schemas.microsoft.com/office/powerpoint/2012/main" xmlns=""/>
     </p:ext>
   </p:extLst>
 </p:presentation>
@@ -137,7 +134,7 @@
           <p:cNvPr id="2" name="Titolo 1">
             <a:extLst>
               <a:ext uri="{FF2B5EF4-FFF2-40B4-BE49-F238E27FC236}">
-                <a16:creationId xmlns:a16="http://schemas.microsoft.com/office/drawing/2014/main" id="{88F5B32E-CC89-4CA6-940D-6340D8C9186C}"/>
+                <a16:creationId xmlns:a16="http://schemas.microsoft.com/office/drawing/2014/main" xmlns="" id="{88F5B32E-CC89-4CA6-940D-6340D8C9186C}"/>
               </a:ext>
             </a:extLst>
           </p:cNvPr>
@@ -174,7 +171,7 @@
           <p:cNvPr id="3" name="Sottotitolo 2">
             <a:extLst>
               <a:ext uri="{FF2B5EF4-FFF2-40B4-BE49-F238E27FC236}">
-                <a16:creationId xmlns:a16="http://schemas.microsoft.com/office/drawing/2014/main" id="{BAE942AC-5054-49AD-A59E-993B84B059BE}"/>
+                <a16:creationId xmlns:a16="http://schemas.microsoft.com/office/drawing/2014/main" xmlns="" id="{BAE942AC-5054-49AD-A59E-993B84B059BE}"/>
               </a:ext>
             </a:extLst>
           </p:cNvPr>
@@ -244,7 +241,7 @@
           <p:cNvPr id="4" name="Segnaposto data 3">
             <a:extLst>
               <a:ext uri="{FF2B5EF4-FFF2-40B4-BE49-F238E27FC236}">
-                <a16:creationId xmlns:a16="http://schemas.microsoft.com/office/drawing/2014/main" id="{C4C98118-D5D4-4697-95F4-8AD7BA9D6F7C}"/>
+                <a16:creationId xmlns:a16="http://schemas.microsoft.com/office/drawing/2014/main" xmlns="" id="{C4C98118-D5D4-4697-95F4-8AD7BA9D6F7C}"/>
               </a:ext>
             </a:extLst>
           </p:cNvPr>
@@ -262,7 +259,8 @@
           <a:p>
             <a:fld id="{05608397-F9EA-4D83-BE05-7174DDEC36B6}" type="datetimeFigureOut">
               <a:rPr lang="it-IT" smtClean="0"/>
-              <a:t>10/02/2019</a:t>
+              <a:pPr/>
+              <a:t>11/02/2019</a:t>
             </a:fld>
             <a:endParaRPr lang="it-IT"/>
           </a:p>
@@ -273,7 +271,7 @@
           <p:cNvPr id="5" name="Segnaposto piè di pagina 4">
             <a:extLst>
               <a:ext uri="{FF2B5EF4-FFF2-40B4-BE49-F238E27FC236}">
-                <a16:creationId xmlns:a16="http://schemas.microsoft.com/office/drawing/2014/main" id="{DBFC42D5-81FA-4EA5-B881-4D2376FDE17D}"/>
+                <a16:creationId xmlns:a16="http://schemas.microsoft.com/office/drawing/2014/main" xmlns="" id="{DBFC42D5-81FA-4EA5-B881-4D2376FDE17D}"/>
               </a:ext>
             </a:extLst>
           </p:cNvPr>
@@ -298,7 +296,7 @@
           <p:cNvPr id="6" name="Segnaposto numero diapositiva 5">
             <a:extLst>
               <a:ext uri="{FF2B5EF4-FFF2-40B4-BE49-F238E27FC236}">
-                <a16:creationId xmlns:a16="http://schemas.microsoft.com/office/drawing/2014/main" id="{94900500-F69B-45E9-8716-45D148D2A502}"/>
+                <a16:creationId xmlns:a16="http://schemas.microsoft.com/office/drawing/2014/main" xmlns="" id="{94900500-F69B-45E9-8716-45D148D2A502}"/>
               </a:ext>
             </a:extLst>
           </p:cNvPr>
@@ -316,6 +314,7 @@
           <a:p>
             <a:fld id="{17882D9E-BA29-47A3-9FDC-E6A832AC880D}" type="slidenum">
               <a:rPr lang="it-IT" smtClean="0"/>
+              <a:pPr/>
               <a:t>‹N›</a:t>
             </a:fld>
             <a:endParaRPr lang="it-IT"/>
@@ -325,7 +324,7 @@
     </p:spTree>
     <p:extLst>
       <p:ext uri="{BB962C8B-B14F-4D97-AF65-F5344CB8AC3E}">
-        <p14:creationId xmlns:p14="http://schemas.microsoft.com/office/powerpoint/2010/main" val="709229900"/>
+        <p14:creationId xmlns:p14="http://schemas.microsoft.com/office/powerpoint/2010/main" xmlns="" val="709229900"/>
       </p:ext>
     </p:extLst>
   </p:cSld>
@@ -357,7 +356,7 @@
           <p:cNvPr id="2" name="Titolo 1">
             <a:extLst>
               <a:ext uri="{FF2B5EF4-FFF2-40B4-BE49-F238E27FC236}">
-                <a16:creationId xmlns:a16="http://schemas.microsoft.com/office/drawing/2014/main" id="{F01F0905-A95A-4562-BEAA-C74810C3EA38}"/>
+                <a16:creationId xmlns:a16="http://schemas.microsoft.com/office/drawing/2014/main" xmlns="" id="{F01F0905-A95A-4562-BEAA-C74810C3EA38}"/>
               </a:ext>
             </a:extLst>
           </p:cNvPr>
@@ -385,7 +384,7 @@
           <p:cNvPr id="3" name="Segnaposto testo verticale 2">
             <a:extLst>
               <a:ext uri="{FF2B5EF4-FFF2-40B4-BE49-F238E27FC236}">
-                <a16:creationId xmlns:a16="http://schemas.microsoft.com/office/drawing/2014/main" id="{E74E1CCB-B839-484A-BA86-3D8B3006F84E}"/>
+                <a16:creationId xmlns:a16="http://schemas.microsoft.com/office/drawing/2014/main" xmlns="" id="{E74E1CCB-B839-484A-BA86-3D8B3006F84E}"/>
               </a:ext>
             </a:extLst>
           </p:cNvPr>
@@ -442,7 +441,7 @@
           <p:cNvPr id="4" name="Segnaposto data 3">
             <a:extLst>
               <a:ext uri="{FF2B5EF4-FFF2-40B4-BE49-F238E27FC236}">
-                <a16:creationId xmlns:a16="http://schemas.microsoft.com/office/drawing/2014/main" id="{2CC0E530-17B4-4AF3-8C88-6E940DB5C60A}"/>
+                <a16:creationId xmlns:a16="http://schemas.microsoft.com/office/drawing/2014/main" xmlns="" id="{2CC0E530-17B4-4AF3-8C88-6E940DB5C60A}"/>
               </a:ext>
             </a:extLst>
           </p:cNvPr>
@@ -460,7 +459,8 @@
           <a:p>
             <a:fld id="{05608397-F9EA-4D83-BE05-7174DDEC36B6}" type="datetimeFigureOut">
               <a:rPr lang="it-IT" smtClean="0"/>
-              <a:t>10/02/2019</a:t>
+              <a:pPr/>
+              <a:t>11/02/2019</a:t>
             </a:fld>
             <a:endParaRPr lang="it-IT"/>
           </a:p>
@@ -471,7 +471,7 @@
           <p:cNvPr id="5" name="Segnaposto piè di pagina 4">
             <a:extLst>
               <a:ext uri="{FF2B5EF4-FFF2-40B4-BE49-F238E27FC236}">
-                <a16:creationId xmlns:a16="http://schemas.microsoft.com/office/drawing/2014/main" id="{050747E4-4031-4B1E-8AF2-9F3FCAB98968}"/>
+                <a16:creationId xmlns:a16="http://schemas.microsoft.com/office/drawing/2014/main" xmlns="" id="{050747E4-4031-4B1E-8AF2-9F3FCAB98968}"/>
               </a:ext>
             </a:extLst>
           </p:cNvPr>
@@ -496,7 +496,7 @@
           <p:cNvPr id="6" name="Segnaposto numero diapositiva 5">
             <a:extLst>
               <a:ext uri="{FF2B5EF4-FFF2-40B4-BE49-F238E27FC236}">
-                <a16:creationId xmlns:a16="http://schemas.microsoft.com/office/drawing/2014/main" id="{62EB771F-4F25-40B9-B019-8279BD2E79D9}"/>
+                <a16:creationId xmlns:a16="http://schemas.microsoft.com/office/drawing/2014/main" xmlns="" id="{62EB771F-4F25-40B9-B019-8279BD2E79D9}"/>
               </a:ext>
             </a:extLst>
           </p:cNvPr>
@@ -514,6 +514,7 @@
           <a:p>
             <a:fld id="{17882D9E-BA29-47A3-9FDC-E6A832AC880D}" type="slidenum">
               <a:rPr lang="it-IT" smtClean="0"/>
+              <a:pPr/>
               <a:t>‹N›</a:t>
             </a:fld>
             <a:endParaRPr lang="it-IT"/>
@@ -523,7 +524,7 @@
     </p:spTree>
     <p:extLst>
       <p:ext uri="{BB962C8B-B14F-4D97-AF65-F5344CB8AC3E}">
-        <p14:creationId xmlns:p14="http://schemas.microsoft.com/office/powerpoint/2010/main" val="3248740946"/>
+        <p14:creationId xmlns:p14="http://schemas.microsoft.com/office/powerpoint/2010/main" xmlns="" val="3248740946"/>
       </p:ext>
     </p:extLst>
   </p:cSld>
@@ -555,7 +556,7 @@
           <p:cNvPr id="2" name="Titolo verticale 1">
             <a:extLst>
               <a:ext uri="{FF2B5EF4-FFF2-40B4-BE49-F238E27FC236}">
-                <a16:creationId xmlns:a16="http://schemas.microsoft.com/office/drawing/2014/main" id="{89799DD5-7EAB-4FA0-B1DB-CC016322D953}"/>
+                <a16:creationId xmlns:a16="http://schemas.microsoft.com/office/drawing/2014/main" xmlns="" id="{89799DD5-7EAB-4FA0-B1DB-CC016322D953}"/>
               </a:ext>
             </a:extLst>
           </p:cNvPr>
@@ -588,7 +589,7 @@
           <p:cNvPr id="3" name="Segnaposto testo verticale 2">
             <a:extLst>
               <a:ext uri="{FF2B5EF4-FFF2-40B4-BE49-F238E27FC236}">
-                <a16:creationId xmlns:a16="http://schemas.microsoft.com/office/drawing/2014/main" id="{CE2D9B03-C0A2-4E90-830E-6EE9A148F988}"/>
+                <a16:creationId xmlns:a16="http://schemas.microsoft.com/office/drawing/2014/main" xmlns="" id="{CE2D9B03-C0A2-4E90-830E-6EE9A148F988}"/>
               </a:ext>
             </a:extLst>
           </p:cNvPr>
@@ -650,7 +651,7 @@
           <p:cNvPr id="4" name="Segnaposto data 3">
             <a:extLst>
               <a:ext uri="{FF2B5EF4-FFF2-40B4-BE49-F238E27FC236}">
-                <a16:creationId xmlns:a16="http://schemas.microsoft.com/office/drawing/2014/main" id="{19660DBF-35B7-4D92-9482-0D0B661443CB}"/>
+                <a16:creationId xmlns:a16="http://schemas.microsoft.com/office/drawing/2014/main" xmlns="" id="{19660DBF-35B7-4D92-9482-0D0B661443CB}"/>
               </a:ext>
             </a:extLst>
           </p:cNvPr>
@@ -668,7 +669,8 @@
           <a:p>
             <a:fld id="{05608397-F9EA-4D83-BE05-7174DDEC36B6}" type="datetimeFigureOut">
               <a:rPr lang="it-IT" smtClean="0"/>
-              <a:t>10/02/2019</a:t>
+              <a:pPr/>
+              <a:t>11/02/2019</a:t>
             </a:fld>
             <a:endParaRPr lang="it-IT"/>
           </a:p>
@@ -679,7 +681,7 @@
           <p:cNvPr id="5" name="Segnaposto piè di pagina 4">
             <a:extLst>
               <a:ext uri="{FF2B5EF4-FFF2-40B4-BE49-F238E27FC236}">
-                <a16:creationId xmlns:a16="http://schemas.microsoft.com/office/drawing/2014/main" id="{5717AB3D-4BC4-47EE-91C3-8B82EE4D6902}"/>
+                <a16:creationId xmlns:a16="http://schemas.microsoft.com/office/drawing/2014/main" xmlns="" id="{5717AB3D-4BC4-47EE-91C3-8B82EE4D6902}"/>
               </a:ext>
             </a:extLst>
           </p:cNvPr>
@@ -704,7 +706,7 @@
           <p:cNvPr id="6" name="Segnaposto numero diapositiva 5">
             <a:extLst>
               <a:ext uri="{FF2B5EF4-FFF2-40B4-BE49-F238E27FC236}">
-                <a16:creationId xmlns:a16="http://schemas.microsoft.com/office/drawing/2014/main" id="{1214E2AC-E341-4025-8CC6-AA308BA03DA2}"/>
+                <a16:creationId xmlns:a16="http://schemas.microsoft.com/office/drawing/2014/main" xmlns="" id="{1214E2AC-E341-4025-8CC6-AA308BA03DA2}"/>
               </a:ext>
             </a:extLst>
           </p:cNvPr>
@@ -722,6 +724,7 @@
           <a:p>
             <a:fld id="{17882D9E-BA29-47A3-9FDC-E6A832AC880D}" type="slidenum">
               <a:rPr lang="it-IT" smtClean="0"/>
+              <a:pPr/>
               <a:t>‹N›</a:t>
             </a:fld>
             <a:endParaRPr lang="it-IT"/>
@@ -731,7 +734,7 @@
     </p:spTree>
     <p:extLst>
       <p:ext uri="{BB962C8B-B14F-4D97-AF65-F5344CB8AC3E}">
-        <p14:creationId xmlns:p14="http://schemas.microsoft.com/office/powerpoint/2010/main" val="4278718768"/>
+        <p14:creationId xmlns:p14="http://schemas.microsoft.com/office/powerpoint/2010/main" xmlns="" val="4278718768"/>
       </p:ext>
     </p:extLst>
   </p:cSld>
@@ -763,7 +766,7 @@
           <p:cNvPr id="2" name="Titolo 1">
             <a:extLst>
               <a:ext uri="{FF2B5EF4-FFF2-40B4-BE49-F238E27FC236}">
-                <a16:creationId xmlns:a16="http://schemas.microsoft.com/office/drawing/2014/main" id="{9F64D795-06CC-4398-B438-508A34DA02E0}"/>
+                <a16:creationId xmlns:a16="http://schemas.microsoft.com/office/drawing/2014/main" xmlns="" id="{9F64D795-06CC-4398-B438-508A34DA02E0}"/>
               </a:ext>
             </a:extLst>
           </p:cNvPr>
@@ -791,7 +794,7 @@
           <p:cNvPr id="3" name="Segnaposto contenuto 2">
             <a:extLst>
               <a:ext uri="{FF2B5EF4-FFF2-40B4-BE49-F238E27FC236}">
-                <a16:creationId xmlns:a16="http://schemas.microsoft.com/office/drawing/2014/main" id="{6B8E16AF-03F9-4812-8FC4-7F56C5437D15}"/>
+                <a16:creationId xmlns:a16="http://schemas.microsoft.com/office/drawing/2014/main" xmlns="" id="{6B8E16AF-03F9-4812-8FC4-7F56C5437D15}"/>
               </a:ext>
             </a:extLst>
           </p:cNvPr>
@@ -848,7 +851,7 @@
           <p:cNvPr id="4" name="Segnaposto data 3">
             <a:extLst>
               <a:ext uri="{FF2B5EF4-FFF2-40B4-BE49-F238E27FC236}">
-                <a16:creationId xmlns:a16="http://schemas.microsoft.com/office/drawing/2014/main" id="{B06E2E08-6B3E-4AFE-9E4E-4BCBB5B338D0}"/>
+                <a16:creationId xmlns:a16="http://schemas.microsoft.com/office/drawing/2014/main" xmlns="" id="{B06E2E08-6B3E-4AFE-9E4E-4BCBB5B338D0}"/>
               </a:ext>
             </a:extLst>
           </p:cNvPr>
@@ -866,7 +869,8 @@
           <a:p>
             <a:fld id="{05608397-F9EA-4D83-BE05-7174DDEC36B6}" type="datetimeFigureOut">
               <a:rPr lang="it-IT" smtClean="0"/>
-              <a:t>10/02/2019</a:t>
+              <a:pPr/>
+              <a:t>11/02/2019</a:t>
             </a:fld>
             <a:endParaRPr lang="it-IT"/>
           </a:p>
@@ -877,7 +881,7 @@
           <p:cNvPr id="5" name="Segnaposto piè di pagina 4">
             <a:extLst>
               <a:ext uri="{FF2B5EF4-FFF2-40B4-BE49-F238E27FC236}">
-                <a16:creationId xmlns:a16="http://schemas.microsoft.com/office/drawing/2014/main" id="{74510CE9-0FB4-47C2-908F-67FEFBE4B598}"/>
+                <a16:creationId xmlns:a16="http://schemas.microsoft.com/office/drawing/2014/main" xmlns="" id="{74510CE9-0FB4-47C2-908F-67FEFBE4B598}"/>
               </a:ext>
             </a:extLst>
           </p:cNvPr>
@@ -902,7 +906,7 @@
           <p:cNvPr id="6" name="Segnaposto numero diapositiva 5">
             <a:extLst>
               <a:ext uri="{FF2B5EF4-FFF2-40B4-BE49-F238E27FC236}">
-                <a16:creationId xmlns:a16="http://schemas.microsoft.com/office/drawing/2014/main" id="{F1578B52-CB0D-42C7-8BF0-C35D5B2642F6}"/>
+                <a16:creationId xmlns:a16="http://schemas.microsoft.com/office/drawing/2014/main" xmlns="" id="{F1578B52-CB0D-42C7-8BF0-C35D5B2642F6}"/>
               </a:ext>
             </a:extLst>
           </p:cNvPr>
@@ -920,6 +924,7 @@
           <a:p>
             <a:fld id="{17882D9E-BA29-47A3-9FDC-E6A832AC880D}" type="slidenum">
               <a:rPr lang="it-IT" smtClean="0"/>
+              <a:pPr/>
               <a:t>‹N›</a:t>
             </a:fld>
             <a:endParaRPr lang="it-IT"/>
@@ -929,7 +934,7 @@
     </p:spTree>
     <p:extLst>
       <p:ext uri="{BB962C8B-B14F-4D97-AF65-F5344CB8AC3E}">
-        <p14:creationId xmlns:p14="http://schemas.microsoft.com/office/powerpoint/2010/main" val="4197930468"/>
+        <p14:creationId xmlns:p14="http://schemas.microsoft.com/office/powerpoint/2010/main" xmlns="" val="4197930468"/>
       </p:ext>
     </p:extLst>
   </p:cSld>
@@ -961,7 +966,7 @@
           <p:cNvPr id="2" name="Titolo 1">
             <a:extLst>
               <a:ext uri="{FF2B5EF4-FFF2-40B4-BE49-F238E27FC236}">
-                <a16:creationId xmlns:a16="http://schemas.microsoft.com/office/drawing/2014/main" id="{E26F0676-EF46-4B1D-8F01-71537BD6FED3}"/>
+                <a16:creationId xmlns:a16="http://schemas.microsoft.com/office/drawing/2014/main" xmlns="" id="{E26F0676-EF46-4B1D-8F01-71537BD6FED3}"/>
               </a:ext>
             </a:extLst>
           </p:cNvPr>
@@ -998,7 +1003,7 @@
           <p:cNvPr id="3" name="Segnaposto testo 2">
             <a:extLst>
               <a:ext uri="{FF2B5EF4-FFF2-40B4-BE49-F238E27FC236}">
-                <a16:creationId xmlns:a16="http://schemas.microsoft.com/office/drawing/2014/main" id="{53C8B5DC-8AD2-447F-8F22-51285E39B4B4}"/>
+                <a16:creationId xmlns:a16="http://schemas.microsoft.com/office/drawing/2014/main" xmlns="" id="{53C8B5DC-8AD2-447F-8F22-51285E39B4B4}"/>
               </a:ext>
             </a:extLst>
           </p:cNvPr>
@@ -1123,7 +1128,7 @@
           <p:cNvPr id="4" name="Segnaposto data 3">
             <a:extLst>
               <a:ext uri="{FF2B5EF4-FFF2-40B4-BE49-F238E27FC236}">
-                <a16:creationId xmlns:a16="http://schemas.microsoft.com/office/drawing/2014/main" id="{47ACFE25-794A-47F5-8421-9C92C32E8774}"/>
+                <a16:creationId xmlns:a16="http://schemas.microsoft.com/office/drawing/2014/main" xmlns="" id="{47ACFE25-794A-47F5-8421-9C92C32E8774}"/>
               </a:ext>
             </a:extLst>
           </p:cNvPr>
@@ -1141,7 +1146,8 @@
           <a:p>
             <a:fld id="{05608397-F9EA-4D83-BE05-7174DDEC36B6}" type="datetimeFigureOut">
               <a:rPr lang="it-IT" smtClean="0"/>
-              <a:t>10/02/2019</a:t>
+              <a:pPr/>
+              <a:t>11/02/2019</a:t>
             </a:fld>
             <a:endParaRPr lang="it-IT"/>
           </a:p>
@@ -1152,7 +1158,7 @@
           <p:cNvPr id="5" name="Segnaposto piè di pagina 4">
             <a:extLst>
               <a:ext uri="{FF2B5EF4-FFF2-40B4-BE49-F238E27FC236}">
-                <a16:creationId xmlns:a16="http://schemas.microsoft.com/office/drawing/2014/main" id="{EC553D49-E86E-4738-8FE2-D90DC1986592}"/>
+                <a16:creationId xmlns:a16="http://schemas.microsoft.com/office/drawing/2014/main" xmlns="" id="{EC553D49-E86E-4738-8FE2-D90DC1986592}"/>
               </a:ext>
             </a:extLst>
           </p:cNvPr>
@@ -1177,7 +1183,7 @@
           <p:cNvPr id="6" name="Segnaposto numero diapositiva 5">
             <a:extLst>
               <a:ext uri="{FF2B5EF4-FFF2-40B4-BE49-F238E27FC236}">
-                <a16:creationId xmlns:a16="http://schemas.microsoft.com/office/drawing/2014/main" id="{35C52ADD-CFB7-46B8-B4A3-70D0B3F747FA}"/>
+                <a16:creationId xmlns:a16="http://schemas.microsoft.com/office/drawing/2014/main" xmlns="" id="{35C52ADD-CFB7-46B8-B4A3-70D0B3F747FA}"/>
               </a:ext>
             </a:extLst>
           </p:cNvPr>
@@ -1195,6 +1201,7 @@
           <a:p>
             <a:fld id="{17882D9E-BA29-47A3-9FDC-E6A832AC880D}" type="slidenum">
               <a:rPr lang="it-IT" smtClean="0"/>
+              <a:pPr/>
               <a:t>‹N›</a:t>
             </a:fld>
             <a:endParaRPr lang="it-IT"/>
@@ -1204,7 +1211,7 @@
     </p:spTree>
     <p:extLst>
       <p:ext uri="{BB962C8B-B14F-4D97-AF65-F5344CB8AC3E}">
-        <p14:creationId xmlns:p14="http://schemas.microsoft.com/office/powerpoint/2010/main" val="3026443239"/>
+        <p14:creationId xmlns:p14="http://schemas.microsoft.com/office/powerpoint/2010/main" xmlns="" val="3026443239"/>
       </p:ext>
     </p:extLst>
   </p:cSld>
@@ -1236,7 +1243,7 @@
           <p:cNvPr id="2" name="Titolo 1">
             <a:extLst>
               <a:ext uri="{FF2B5EF4-FFF2-40B4-BE49-F238E27FC236}">
-                <a16:creationId xmlns:a16="http://schemas.microsoft.com/office/drawing/2014/main" id="{D2B36CAE-554C-44A0-B5E5-FF12C5297E1E}"/>
+                <a16:creationId xmlns:a16="http://schemas.microsoft.com/office/drawing/2014/main" xmlns="" id="{D2B36CAE-554C-44A0-B5E5-FF12C5297E1E}"/>
               </a:ext>
             </a:extLst>
           </p:cNvPr>
@@ -1264,7 +1271,7 @@
           <p:cNvPr id="3" name="Segnaposto contenuto 2">
             <a:extLst>
               <a:ext uri="{FF2B5EF4-FFF2-40B4-BE49-F238E27FC236}">
-                <a16:creationId xmlns:a16="http://schemas.microsoft.com/office/drawing/2014/main" id="{3D20405A-889D-44D4-9C1F-307F1652166A}"/>
+                <a16:creationId xmlns:a16="http://schemas.microsoft.com/office/drawing/2014/main" xmlns="" id="{3D20405A-889D-44D4-9C1F-307F1652166A}"/>
               </a:ext>
             </a:extLst>
           </p:cNvPr>
@@ -1326,7 +1333,7 @@
           <p:cNvPr id="4" name="Segnaposto contenuto 3">
             <a:extLst>
               <a:ext uri="{FF2B5EF4-FFF2-40B4-BE49-F238E27FC236}">
-                <a16:creationId xmlns:a16="http://schemas.microsoft.com/office/drawing/2014/main" id="{4AC6A6D0-CF2E-4F4E-B194-963CC552A5E2}"/>
+                <a16:creationId xmlns:a16="http://schemas.microsoft.com/office/drawing/2014/main" xmlns="" id="{4AC6A6D0-CF2E-4F4E-B194-963CC552A5E2}"/>
               </a:ext>
             </a:extLst>
           </p:cNvPr>
@@ -1388,7 +1395,7 @@
           <p:cNvPr id="5" name="Segnaposto data 4">
             <a:extLst>
               <a:ext uri="{FF2B5EF4-FFF2-40B4-BE49-F238E27FC236}">
-                <a16:creationId xmlns:a16="http://schemas.microsoft.com/office/drawing/2014/main" id="{0A8CDB00-10F1-4AAA-A112-525C52FE6DBF}"/>
+                <a16:creationId xmlns:a16="http://schemas.microsoft.com/office/drawing/2014/main" xmlns="" id="{0A8CDB00-10F1-4AAA-A112-525C52FE6DBF}"/>
               </a:ext>
             </a:extLst>
           </p:cNvPr>
@@ -1406,7 +1413,8 @@
           <a:p>
             <a:fld id="{05608397-F9EA-4D83-BE05-7174DDEC36B6}" type="datetimeFigureOut">
               <a:rPr lang="it-IT" smtClean="0"/>
-              <a:t>10/02/2019</a:t>
+              <a:pPr/>
+              <a:t>11/02/2019</a:t>
             </a:fld>
             <a:endParaRPr lang="it-IT"/>
           </a:p>
@@ -1417,7 +1425,7 @@
           <p:cNvPr id="6" name="Segnaposto piè di pagina 5">
             <a:extLst>
               <a:ext uri="{FF2B5EF4-FFF2-40B4-BE49-F238E27FC236}">
-                <a16:creationId xmlns:a16="http://schemas.microsoft.com/office/drawing/2014/main" id="{1D0642DF-0A0B-4B4C-892B-73107F402BB6}"/>
+                <a16:creationId xmlns:a16="http://schemas.microsoft.com/office/drawing/2014/main" xmlns="" id="{1D0642DF-0A0B-4B4C-892B-73107F402BB6}"/>
               </a:ext>
             </a:extLst>
           </p:cNvPr>
@@ -1442,7 +1450,7 @@
           <p:cNvPr id="7" name="Segnaposto numero diapositiva 6">
             <a:extLst>
               <a:ext uri="{FF2B5EF4-FFF2-40B4-BE49-F238E27FC236}">
-                <a16:creationId xmlns:a16="http://schemas.microsoft.com/office/drawing/2014/main" id="{E8F7A62A-CD2D-4094-B065-0E777B7E0CD2}"/>
+                <a16:creationId xmlns:a16="http://schemas.microsoft.com/office/drawing/2014/main" xmlns="" id="{E8F7A62A-CD2D-4094-B065-0E777B7E0CD2}"/>
               </a:ext>
             </a:extLst>
           </p:cNvPr>
@@ -1460,6 +1468,7 @@
           <a:p>
             <a:fld id="{17882D9E-BA29-47A3-9FDC-E6A832AC880D}" type="slidenum">
               <a:rPr lang="it-IT" smtClean="0"/>
+              <a:pPr/>
               <a:t>‹N›</a:t>
             </a:fld>
             <a:endParaRPr lang="it-IT"/>
@@ -1469,7 +1478,7 @@
     </p:spTree>
     <p:extLst>
       <p:ext uri="{BB962C8B-B14F-4D97-AF65-F5344CB8AC3E}">
-        <p14:creationId xmlns:p14="http://schemas.microsoft.com/office/powerpoint/2010/main" val="1227475821"/>
+        <p14:creationId xmlns:p14="http://schemas.microsoft.com/office/powerpoint/2010/main" xmlns="" val="1227475821"/>
       </p:ext>
     </p:extLst>
   </p:cSld>
@@ -1501,7 +1510,7 @@
           <p:cNvPr id="2" name="Titolo 1">
             <a:extLst>
               <a:ext uri="{FF2B5EF4-FFF2-40B4-BE49-F238E27FC236}">
-                <a16:creationId xmlns:a16="http://schemas.microsoft.com/office/drawing/2014/main" id="{B095D9DD-82E4-4364-B179-20AE50796178}"/>
+                <a16:creationId xmlns:a16="http://schemas.microsoft.com/office/drawing/2014/main" xmlns="" id="{B095D9DD-82E4-4364-B179-20AE50796178}"/>
               </a:ext>
             </a:extLst>
           </p:cNvPr>
@@ -1534,7 +1543,7 @@
           <p:cNvPr id="3" name="Segnaposto testo 2">
             <a:extLst>
               <a:ext uri="{FF2B5EF4-FFF2-40B4-BE49-F238E27FC236}">
-                <a16:creationId xmlns:a16="http://schemas.microsoft.com/office/drawing/2014/main" id="{DFA46AA2-F746-4207-80D2-10DDA2AB2256}"/>
+                <a16:creationId xmlns:a16="http://schemas.microsoft.com/office/drawing/2014/main" xmlns="" id="{DFA46AA2-F746-4207-80D2-10DDA2AB2256}"/>
               </a:ext>
             </a:extLst>
           </p:cNvPr>
@@ -1605,7 +1614,7 @@
           <p:cNvPr id="4" name="Segnaposto contenuto 3">
             <a:extLst>
               <a:ext uri="{FF2B5EF4-FFF2-40B4-BE49-F238E27FC236}">
-                <a16:creationId xmlns:a16="http://schemas.microsoft.com/office/drawing/2014/main" id="{F5377FD0-EC1A-42BA-B98B-54FA5EC04E9D}"/>
+                <a16:creationId xmlns:a16="http://schemas.microsoft.com/office/drawing/2014/main" xmlns="" id="{F5377FD0-EC1A-42BA-B98B-54FA5EC04E9D}"/>
               </a:ext>
             </a:extLst>
           </p:cNvPr>
@@ -1667,7 +1676,7 @@
           <p:cNvPr id="5" name="Segnaposto testo 4">
             <a:extLst>
               <a:ext uri="{FF2B5EF4-FFF2-40B4-BE49-F238E27FC236}">
-                <a16:creationId xmlns:a16="http://schemas.microsoft.com/office/drawing/2014/main" id="{BB9EACD8-B4C4-4FEB-BCD9-5992DE97ED14}"/>
+                <a16:creationId xmlns:a16="http://schemas.microsoft.com/office/drawing/2014/main" xmlns="" id="{BB9EACD8-B4C4-4FEB-BCD9-5992DE97ED14}"/>
               </a:ext>
             </a:extLst>
           </p:cNvPr>
@@ -1738,7 +1747,7 @@
           <p:cNvPr id="6" name="Segnaposto contenuto 5">
             <a:extLst>
               <a:ext uri="{FF2B5EF4-FFF2-40B4-BE49-F238E27FC236}">
-                <a16:creationId xmlns:a16="http://schemas.microsoft.com/office/drawing/2014/main" id="{9140F3F3-B58B-4781-B005-0F13E7C5D3C7}"/>
+                <a16:creationId xmlns:a16="http://schemas.microsoft.com/office/drawing/2014/main" xmlns="" id="{9140F3F3-B58B-4781-B005-0F13E7C5D3C7}"/>
               </a:ext>
             </a:extLst>
           </p:cNvPr>
@@ -1800,7 +1809,7 @@
           <p:cNvPr id="7" name="Segnaposto data 6">
             <a:extLst>
               <a:ext uri="{FF2B5EF4-FFF2-40B4-BE49-F238E27FC236}">
-                <a16:creationId xmlns:a16="http://schemas.microsoft.com/office/drawing/2014/main" id="{7DD7A1E6-9DAB-4F18-A44B-37F48F3B9171}"/>
+                <a16:creationId xmlns:a16="http://schemas.microsoft.com/office/drawing/2014/main" xmlns="" id="{7DD7A1E6-9DAB-4F18-A44B-37F48F3B9171}"/>
               </a:ext>
             </a:extLst>
           </p:cNvPr>
@@ -1818,7 +1827,8 @@
           <a:p>
             <a:fld id="{05608397-F9EA-4D83-BE05-7174DDEC36B6}" type="datetimeFigureOut">
               <a:rPr lang="it-IT" smtClean="0"/>
-              <a:t>10/02/2019</a:t>
+              <a:pPr/>
+              <a:t>11/02/2019</a:t>
             </a:fld>
             <a:endParaRPr lang="it-IT"/>
           </a:p>
@@ -1829,7 +1839,7 @@
           <p:cNvPr id="8" name="Segnaposto piè di pagina 7">
             <a:extLst>
               <a:ext uri="{FF2B5EF4-FFF2-40B4-BE49-F238E27FC236}">
-                <a16:creationId xmlns:a16="http://schemas.microsoft.com/office/drawing/2014/main" id="{F9CAA154-87BB-4758-828D-DB8823125B5E}"/>
+                <a16:creationId xmlns:a16="http://schemas.microsoft.com/office/drawing/2014/main" xmlns="" id="{F9CAA154-87BB-4758-828D-DB8823125B5E}"/>
               </a:ext>
             </a:extLst>
           </p:cNvPr>
@@ -1854,7 +1864,7 @@
           <p:cNvPr id="9" name="Segnaposto numero diapositiva 8">
             <a:extLst>
               <a:ext uri="{FF2B5EF4-FFF2-40B4-BE49-F238E27FC236}">
-                <a16:creationId xmlns:a16="http://schemas.microsoft.com/office/drawing/2014/main" id="{BE16236B-B2EE-48C9-ACAB-D1DD7A70B6B0}"/>
+                <a16:creationId xmlns:a16="http://schemas.microsoft.com/office/drawing/2014/main" xmlns="" id="{BE16236B-B2EE-48C9-ACAB-D1DD7A70B6B0}"/>
               </a:ext>
             </a:extLst>
           </p:cNvPr>
@@ -1872,6 +1882,7 @@
           <a:p>
             <a:fld id="{17882D9E-BA29-47A3-9FDC-E6A832AC880D}" type="slidenum">
               <a:rPr lang="it-IT" smtClean="0"/>
+              <a:pPr/>
               <a:t>‹N›</a:t>
             </a:fld>
             <a:endParaRPr lang="it-IT"/>
@@ -1881,7 +1892,7 @@
     </p:spTree>
     <p:extLst>
       <p:ext uri="{BB962C8B-B14F-4D97-AF65-F5344CB8AC3E}">
-        <p14:creationId xmlns:p14="http://schemas.microsoft.com/office/powerpoint/2010/main" val="3226049174"/>
+        <p14:creationId xmlns:p14="http://schemas.microsoft.com/office/powerpoint/2010/main" xmlns="" val="3226049174"/>
       </p:ext>
     </p:extLst>
   </p:cSld>
@@ -1913,7 +1924,7 @@
           <p:cNvPr id="2" name="Titolo 1">
             <a:extLst>
               <a:ext uri="{FF2B5EF4-FFF2-40B4-BE49-F238E27FC236}">
-                <a16:creationId xmlns:a16="http://schemas.microsoft.com/office/drawing/2014/main" id="{E8598F84-0753-4C6B-A9FC-721FE8454182}"/>
+                <a16:creationId xmlns:a16="http://schemas.microsoft.com/office/drawing/2014/main" xmlns="" id="{E8598F84-0753-4C6B-A9FC-721FE8454182}"/>
               </a:ext>
             </a:extLst>
           </p:cNvPr>
@@ -1941,7 +1952,7 @@
           <p:cNvPr id="3" name="Segnaposto data 2">
             <a:extLst>
               <a:ext uri="{FF2B5EF4-FFF2-40B4-BE49-F238E27FC236}">
-                <a16:creationId xmlns:a16="http://schemas.microsoft.com/office/drawing/2014/main" id="{E68597D5-7924-48C8-A369-B9268DC34652}"/>
+                <a16:creationId xmlns:a16="http://schemas.microsoft.com/office/drawing/2014/main" xmlns="" id="{E68597D5-7924-48C8-A369-B9268DC34652}"/>
               </a:ext>
             </a:extLst>
           </p:cNvPr>
@@ -1959,7 +1970,8 @@
           <a:p>
             <a:fld id="{05608397-F9EA-4D83-BE05-7174DDEC36B6}" type="datetimeFigureOut">
               <a:rPr lang="it-IT" smtClean="0"/>
-              <a:t>10/02/2019</a:t>
+              <a:pPr/>
+              <a:t>11/02/2019</a:t>
             </a:fld>
             <a:endParaRPr lang="it-IT"/>
           </a:p>
@@ -1970,7 +1982,7 @@
           <p:cNvPr id="4" name="Segnaposto piè di pagina 3">
             <a:extLst>
               <a:ext uri="{FF2B5EF4-FFF2-40B4-BE49-F238E27FC236}">
-                <a16:creationId xmlns:a16="http://schemas.microsoft.com/office/drawing/2014/main" id="{E39EADB1-F572-4732-8A73-4C809E9827BE}"/>
+                <a16:creationId xmlns:a16="http://schemas.microsoft.com/office/drawing/2014/main" xmlns="" id="{E39EADB1-F572-4732-8A73-4C809E9827BE}"/>
               </a:ext>
             </a:extLst>
           </p:cNvPr>
@@ -1995,7 +2007,7 @@
           <p:cNvPr id="5" name="Segnaposto numero diapositiva 4">
             <a:extLst>
               <a:ext uri="{FF2B5EF4-FFF2-40B4-BE49-F238E27FC236}">
-                <a16:creationId xmlns:a16="http://schemas.microsoft.com/office/drawing/2014/main" id="{229A8E28-065F-4242-85CE-66C0762E2D2C}"/>
+                <a16:creationId xmlns:a16="http://schemas.microsoft.com/office/drawing/2014/main" xmlns="" id="{229A8E28-065F-4242-85CE-66C0762E2D2C}"/>
               </a:ext>
             </a:extLst>
           </p:cNvPr>
@@ -2013,6 +2025,7 @@
           <a:p>
             <a:fld id="{17882D9E-BA29-47A3-9FDC-E6A832AC880D}" type="slidenum">
               <a:rPr lang="it-IT" smtClean="0"/>
+              <a:pPr/>
               <a:t>‹N›</a:t>
             </a:fld>
             <a:endParaRPr lang="it-IT"/>
@@ -2022,7 +2035,7 @@
     </p:spTree>
     <p:extLst>
       <p:ext uri="{BB962C8B-B14F-4D97-AF65-F5344CB8AC3E}">
-        <p14:creationId xmlns:p14="http://schemas.microsoft.com/office/powerpoint/2010/main" val="678415782"/>
+        <p14:creationId xmlns:p14="http://schemas.microsoft.com/office/powerpoint/2010/main" xmlns="" val="678415782"/>
       </p:ext>
     </p:extLst>
   </p:cSld>
@@ -2054,7 +2067,7 @@
           <p:cNvPr id="2" name="Segnaposto data 1">
             <a:extLst>
               <a:ext uri="{FF2B5EF4-FFF2-40B4-BE49-F238E27FC236}">
-                <a16:creationId xmlns:a16="http://schemas.microsoft.com/office/drawing/2014/main" id="{9728BFD2-FB65-42AA-9427-CE4BDAFE6C41}"/>
+                <a16:creationId xmlns:a16="http://schemas.microsoft.com/office/drawing/2014/main" xmlns="" id="{9728BFD2-FB65-42AA-9427-CE4BDAFE6C41}"/>
               </a:ext>
             </a:extLst>
           </p:cNvPr>
@@ -2072,7 +2085,8 @@
           <a:p>
             <a:fld id="{05608397-F9EA-4D83-BE05-7174DDEC36B6}" type="datetimeFigureOut">
               <a:rPr lang="it-IT" smtClean="0"/>
-              <a:t>10/02/2019</a:t>
+              <a:pPr/>
+              <a:t>11/02/2019</a:t>
             </a:fld>
             <a:endParaRPr lang="it-IT"/>
           </a:p>
@@ -2083,7 +2097,7 @@
           <p:cNvPr id="3" name="Segnaposto piè di pagina 2">
             <a:extLst>
               <a:ext uri="{FF2B5EF4-FFF2-40B4-BE49-F238E27FC236}">
-                <a16:creationId xmlns:a16="http://schemas.microsoft.com/office/drawing/2014/main" id="{29A8830D-1F4B-4A6C-85B8-7C3A254D7A09}"/>
+                <a16:creationId xmlns:a16="http://schemas.microsoft.com/office/drawing/2014/main" xmlns="" id="{29A8830D-1F4B-4A6C-85B8-7C3A254D7A09}"/>
               </a:ext>
             </a:extLst>
           </p:cNvPr>
@@ -2108,7 +2122,7 @@
           <p:cNvPr id="4" name="Segnaposto numero diapositiva 3">
             <a:extLst>
               <a:ext uri="{FF2B5EF4-FFF2-40B4-BE49-F238E27FC236}">
-                <a16:creationId xmlns:a16="http://schemas.microsoft.com/office/drawing/2014/main" id="{2C4FD226-5DD3-4EE3-8832-1D8E605C457F}"/>
+                <a16:creationId xmlns:a16="http://schemas.microsoft.com/office/drawing/2014/main" xmlns="" id="{2C4FD226-5DD3-4EE3-8832-1D8E605C457F}"/>
               </a:ext>
             </a:extLst>
           </p:cNvPr>
@@ -2126,6 +2140,7 @@
           <a:p>
             <a:fld id="{17882D9E-BA29-47A3-9FDC-E6A832AC880D}" type="slidenum">
               <a:rPr lang="it-IT" smtClean="0"/>
+              <a:pPr/>
               <a:t>‹N›</a:t>
             </a:fld>
             <a:endParaRPr lang="it-IT"/>
@@ -2135,7 +2150,7 @@
     </p:spTree>
     <p:extLst>
       <p:ext uri="{BB962C8B-B14F-4D97-AF65-F5344CB8AC3E}">
-        <p14:creationId xmlns:p14="http://schemas.microsoft.com/office/powerpoint/2010/main" val="3392977715"/>
+        <p14:creationId xmlns:p14="http://schemas.microsoft.com/office/powerpoint/2010/main" xmlns="" val="3392977715"/>
       </p:ext>
     </p:extLst>
   </p:cSld>
@@ -2167,7 +2182,7 @@
           <p:cNvPr id="2" name="Titolo 1">
             <a:extLst>
               <a:ext uri="{FF2B5EF4-FFF2-40B4-BE49-F238E27FC236}">
-                <a16:creationId xmlns:a16="http://schemas.microsoft.com/office/drawing/2014/main" id="{EE2B373D-8BD7-4625-BC20-C6DCD5EFDF33}"/>
+                <a16:creationId xmlns:a16="http://schemas.microsoft.com/office/drawing/2014/main" xmlns="" id="{EE2B373D-8BD7-4625-BC20-C6DCD5EFDF33}"/>
               </a:ext>
             </a:extLst>
           </p:cNvPr>
@@ -2204,7 +2219,7 @@
           <p:cNvPr id="3" name="Segnaposto contenuto 2">
             <a:extLst>
               <a:ext uri="{FF2B5EF4-FFF2-40B4-BE49-F238E27FC236}">
-                <a16:creationId xmlns:a16="http://schemas.microsoft.com/office/drawing/2014/main" id="{FB785F11-4A5E-4D7C-B4E9-3DAE4FFD7E17}"/>
+                <a16:creationId xmlns:a16="http://schemas.microsoft.com/office/drawing/2014/main" xmlns="" id="{FB785F11-4A5E-4D7C-B4E9-3DAE4FFD7E17}"/>
               </a:ext>
             </a:extLst>
           </p:cNvPr>
@@ -2294,7 +2309,7 @@
           <p:cNvPr id="4" name="Segnaposto testo 3">
             <a:extLst>
               <a:ext uri="{FF2B5EF4-FFF2-40B4-BE49-F238E27FC236}">
-                <a16:creationId xmlns:a16="http://schemas.microsoft.com/office/drawing/2014/main" id="{617559B6-EDB3-4D8C-BB41-4162797FBE1A}"/>
+                <a16:creationId xmlns:a16="http://schemas.microsoft.com/office/drawing/2014/main" xmlns="" id="{617559B6-EDB3-4D8C-BB41-4162797FBE1A}"/>
               </a:ext>
             </a:extLst>
           </p:cNvPr>
@@ -2365,7 +2380,7 @@
           <p:cNvPr id="5" name="Segnaposto data 4">
             <a:extLst>
               <a:ext uri="{FF2B5EF4-FFF2-40B4-BE49-F238E27FC236}">
-                <a16:creationId xmlns:a16="http://schemas.microsoft.com/office/drawing/2014/main" id="{EC5EF218-5470-4785-869C-4E7CD8AE9015}"/>
+                <a16:creationId xmlns:a16="http://schemas.microsoft.com/office/drawing/2014/main" xmlns="" id="{EC5EF218-5470-4785-869C-4E7CD8AE9015}"/>
               </a:ext>
             </a:extLst>
           </p:cNvPr>
@@ -2383,7 +2398,8 @@
           <a:p>
             <a:fld id="{05608397-F9EA-4D83-BE05-7174DDEC36B6}" type="datetimeFigureOut">
               <a:rPr lang="it-IT" smtClean="0"/>
-              <a:t>10/02/2019</a:t>
+              <a:pPr/>
+              <a:t>11/02/2019</a:t>
             </a:fld>
             <a:endParaRPr lang="it-IT"/>
           </a:p>
@@ -2394,7 +2410,7 @@
           <p:cNvPr id="6" name="Segnaposto piè di pagina 5">
             <a:extLst>
               <a:ext uri="{FF2B5EF4-FFF2-40B4-BE49-F238E27FC236}">
-                <a16:creationId xmlns:a16="http://schemas.microsoft.com/office/drawing/2014/main" id="{92F20315-8FE8-40F4-89FE-0FE5839DB1AA}"/>
+                <a16:creationId xmlns:a16="http://schemas.microsoft.com/office/drawing/2014/main" xmlns="" id="{92F20315-8FE8-40F4-89FE-0FE5839DB1AA}"/>
               </a:ext>
             </a:extLst>
           </p:cNvPr>
@@ -2419,7 +2435,7 @@
           <p:cNvPr id="7" name="Segnaposto numero diapositiva 6">
             <a:extLst>
               <a:ext uri="{FF2B5EF4-FFF2-40B4-BE49-F238E27FC236}">
-                <a16:creationId xmlns:a16="http://schemas.microsoft.com/office/drawing/2014/main" id="{4515EE39-5BEB-497F-B501-269DD96A9BEA}"/>
+                <a16:creationId xmlns:a16="http://schemas.microsoft.com/office/drawing/2014/main" xmlns="" id="{4515EE39-5BEB-497F-B501-269DD96A9BEA}"/>
               </a:ext>
             </a:extLst>
           </p:cNvPr>
@@ -2437,6 +2453,7 @@
           <a:p>
             <a:fld id="{17882D9E-BA29-47A3-9FDC-E6A832AC880D}" type="slidenum">
               <a:rPr lang="it-IT" smtClean="0"/>
+              <a:pPr/>
               <a:t>‹N›</a:t>
             </a:fld>
             <a:endParaRPr lang="it-IT"/>
@@ -2446,7 +2463,7 @@
     </p:spTree>
     <p:extLst>
       <p:ext uri="{BB962C8B-B14F-4D97-AF65-F5344CB8AC3E}">
-        <p14:creationId xmlns:p14="http://schemas.microsoft.com/office/powerpoint/2010/main" val="2294654791"/>
+        <p14:creationId xmlns:p14="http://schemas.microsoft.com/office/powerpoint/2010/main" xmlns="" val="2294654791"/>
       </p:ext>
     </p:extLst>
   </p:cSld>
@@ -2478,7 +2495,7 @@
           <p:cNvPr id="2" name="Titolo 1">
             <a:extLst>
               <a:ext uri="{FF2B5EF4-FFF2-40B4-BE49-F238E27FC236}">
-                <a16:creationId xmlns:a16="http://schemas.microsoft.com/office/drawing/2014/main" id="{0FEE5B38-FEDC-4AED-B05B-27C9A12955EC}"/>
+                <a16:creationId xmlns:a16="http://schemas.microsoft.com/office/drawing/2014/main" xmlns="" id="{0FEE5B38-FEDC-4AED-B05B-27C9A12955EC}"/>
               </a:ext>
             </a:extLst>
           </p:cNvPr>
@@ -2515,7 +2532,7 @@
           <p:cNvPr id="3" name="Segnaposto immagine 2">
             <a:extLst>
               <a:ext uri="{FF2B5EF4-FFF2-40B4-BE49-F238E27FC236}">
-                <a16:creationId xmlns:a16="http://schemas.microsoft.com/office/drawing/2014/main" id="{9811FF31-0B4C-4F9F-9272-5D032542C668}"/>
+                <a16:creationId xmlns:a16="http://schemas.microsoft.com/office/drawing/2014/main" xmlns="" id="{9811FF31-0B4C-4F9F-9272-5D032542C668}"/>
               </a:ext>
             </a:extLst>
           </p:cNvPr>
@@ -2582,7 +2599,7 @@
           <p:cNvPr id="4" name="Segnaposto testo 3">
             <a:extLst>
               <a:ext uri="{FF2B5EF4-FFF2-40B4-BE49-F238E27FC236}">
-                <a16:creationId xmlns:a16="http://schemas.microsoft.com/office/drawing/2014/main" id="{5F6561DB-97F7-42E7-889D-D4CFD8FC1F26}"/>
+                <a16:creationId xmlns:a16="http://schemas.microsoft.com/office/drawing/2014/main" xmlns="" id="{5F6561DB-97F7-42E7-889D-D4CFD8FC1F26}"/>
               </a:ext>
             </a:extLst>
           </p:cNvPr>
@@ -2653,7 +2670,7 @@
           <p:cNvPr id="5" name="Segnaposto data 4">
             <a:extLst>
               <a:ext uri="{FF2B5EF4-FFF2-40B4-BE49-F238E27FC236}">
-                <a16:creationId xmlns:a16="http://schemas.microsoft.com/office/drawing/2014/main" id="{8D29F62E-0ABB-4474-8BF9-5BF9600388AB}"/>
+                <a16:creationId xmlns:a16="http://schemas.microsoft.com/office/drawing/2014/main" xmlns="" id="{8D29F62E-0ABB-4474-8BF9-5BF9600388AB}"/>
               </a:ext>
             </a:extLst>
           </p:cNvPr>
@@ -2671,7 +2688,8 @@
           <a:p>
             <a:fld id="{05608397-F9EA-4D83-BE05-7174DDEC36B6}" type="datetimeFigureOut">
               <a:rPr lang="it-IT" smtClean="0"/>
-              <a:t>10/02/2019</a:t>
+              <a:pPr/>
+              <a:t>11/02/2019</a:t>
             </a:fld>
             <a:endParaRPr lang="it-IT"/>
           </a:p>
@@ -2682,7 +2700,7 @@
           <p:cNvPr id="6" name="Segnaposto piè di pagina 5">
             <a:extLst>
               <a:ext uri="{FF2B5EF4-FFF2-40B4-BE49-F238E27FC236}">
-                <a16:creationId xmlns:a16="http://schemas.microsoft.com/office/drawing/2014/main" id="{D7A87084-028A-4404-A0B2-FA6F9997873A}"/>
+                <a16:creationId xmlns:a16="http://schemas.microsoft.com/office/drawing/2014/main" xmlns="" id="{D7A87084-028A-4404-A0B2-FA6F9997873A}"/>
               </a:ext>
             </a:extLst>
           </p:cNvPr>
@@ -2707,7 +2725,7 @@
           <p:cNvPr id="7" name="Segnaposto numero diapositiva 6">
             <a:extLst>
               <a:ext uri="{FF2B5EF4-FFF2-40B4-BE49-F238E27FC236}">
-                <a16:creationId xmlns:a16="http://schemas.microsoft.com/office/drawing/2014/main" id="{146C1396-383B-4941-8996-CDF6F699AD62}"/>
+                <a16:creationId xmlns:a16="http://schemas.microsoft.com/office/drawing/2014/main" xmlns="" id="{146C1396-383B-4941-8996-CDF6F699AD62}"/>
               </a:ext>
             </a:extLst>
           </p:cNvPr>
@@ -2725,6 +2743,7 @@
           <a:p>
             <a:fld id="{17882D9E-BA29-47A3-9FDC-E6A832AC880D}" type="slidenum">
               <a:rPr lang="it-IT" smtClean="0"/>
+              <a:pPr/>
               <a:t>‹N›</a:t>
             </a:fld>
             <a:endParaRPr lang="it-IT"/>
@@ -2734,7 +2753,7 @@
     </p:spTree>
     <p:extLst>
       <p:ext uri="{BB962C8B-B14F-4D97-AF65-F5344CB8AC3E}">
-        <p14:creationId xmlns:p14="http://schemas.microsoft.com/office/powerpoint/2010/main" val="3999168934"/>
+        <p14:creationId xmlns:p14="http://schemas.microsoft.com/office/powerpoint/2010/main" xmlns="" val="3999168934"/>
       </p:ext>
     </p:extLst>
   </p:cSld>
@@ -2771,7 +2790,7 @@
           <p:cNvPr id="2" name="Segnaposto titolo 1">
             <a:extLst>
               <a:ext uri="{FF2B5EF4-FFF2-40B4-BE49-F238E27FC236}">
-                <a16:creationId xmlns:a16="http://schemas.microsoft.com/office/drawing/2014/main" id="{894E5D0E-082C-4F0C-A915-897EC5FF5BCA}"/>
+                <a16:creationId xmlns:a16="http://schemas.microsoft.com/office/drawing/2014/main" xmlns="" id="{894E5D0E-082C-4F0C-A915-897EC5FF5BCA}"/>
               </a:ext>
             </a:extLst>
           </p:cNvPr>
@@ -2809,7 +2828,7 @@
           <p:cNvPr id="3" name="Segnaposto testo 2">
             <a:extLst>
               <a:ext uri="{FF2B5EF4-FFF2-40B4-BE49-F238E27FC236}">
-                <a16:creationId xmlns:a16="http://schemas.microsoft.com/office/drawing/2014/main" id="{CC88B376-9EEE-45F9-86BE-F43D17BA614C}"/>
+                <a16:creationId xmlns:a16="http://schemas.microsoft.com/office/drawing/2014/main" xmlns="" id="{CC88B376-9EEE-45F9-86BE-F43D17BA614C}"/>
               </a:ext>
             </a:extLst>
           </p:cNvPr>
@@ -2876,7 +2895,7 @@
           <p:cNvPr id="4" name="Segnaposto data 3">
             <a:extLst>
               <a:ext uri="{FF2B5EF4-FFF2-40B4-BE49-F238E27FC236}">
-                <a16:creationId xmlns:a16="http://schemas.microsoft.com/office/drawing/2014/main" id="{820B133D-E4B7-44A5-BCA0-821177582366}"/>
+                <a16:creationId xmlns:a16="http://schemas.microsoft.com/office/drawing/2014/main" xmlns="" id="{820B133D-E4B7-44A5-BCA0-821177582366}"/>
               </a:ext>
             </a:extLst>
           </p:cNvPr>
@@ -2912,7 +2931,8 @@
           <a:p>
             <a:fld id="{05608397-F9EA-4D83-BE05-7174DDEC36B6}" type="datetimeFigureOut">
               <a:rPr lang="it-IT" smtClean="0"/>
-              <a:t>10/02/2019</a:t>
+              <a:pPr/>
+              <a:t>11/02/2019</a:t>
             </a:fld>
             <a:endParaRPr lang="it-IT"/>
           </a:p>
@@ -2923,7 +2943,7 @@
           <p:cNvPr id="5" name="Segnaposto piè di pagina 4">
             <a:extLst>
               <a:ext uri="{FF2B5EF4-FFF2-40B4-BE49-F238E27FC236}">
-                <a16:creationId xmlns:a16="http://schemas.microsoft.com/office/drawing/2014/main" id="{FCF1C94A-08EB-41BD-9BB0-5CD2CF81FB40}"/>
+                <a16:creationId xmlns:a16="http://schemas.microsoft.com/office/drawing/2014/main" xmlns="" id="{FCF1C94A-08EB-41BD-9BB0-5CD2CF81FB40}"/>
               </a:ext>
             </a:extLst>
           </p:cNvPr>
@@ -2966,7 +2986,7 @@
           <p:cNvPr id="6" name="Segnaposto numero diapositiva 5">
             <a:extLst>
               <a:ext uri="{FF2B5EF4-FFF2-40B4-BE49-F238E27FC236}">
-                <a16:creationId xmlns:a16="http://schemas.microsoft.com/office/drawing/2014/main" id="{1EC03D56-A2C1-4FEC-B64B-FC4C6AD24FBF}"/>
+                <a16:creationId xmlns:a16="http://schemas.microsoft.com/office/drawing/2014/main" xmlns="" id="{1EC03D56-A2C1-4FEC-B64B-FC4C6AD24FBF}"/>
               </a:ext>
             </a:extLst>
           </p:cNvPr>
@@ -3002,6 +3022,7 @@
           <a:p>
             <a:fld id="{17882D9E-BA29-47A3-9FDC-E6A832AC880D}" type="slidenum">
               <a:rPr lang="it-IT" smtClean="0"/>
+              <a:pPr/>
               <a:t>‹N›</a:t>
             </a:fld>
             <a:endParaRPr lang="it-IT"/>
@@ -3011,7 +3032,7 @@
     </p:spTree>
     <p:extLst>
       <p:ext uri="{BB962C8B-B14F-4D97-AF65-F5344CB8AC3E}">
-        <p14:creationId xmlns:p14="http://schemas.microsoft.com/office/powerpoint/2010/main" val="60494540"/>
+        <p14:creationId xmlns:p14="http://schemas.microsoft.com/office/powerpoint/2010/main" xmlns="" val="60494540"/>
       </p:ext>
     </p:extLst>
   </p:cSld>
@@ -3318,7 +3339,7 @@
     <p:bg>
       <p:bgPr>
         <a:blipFill dpi="0" rotWithShape="1">
-          <a:blip r:embed="rId2">
+          <a:blip r:embed="rId2" cstate="print">
             <a:alphaModFix amt="85000"/>
             <a:lum/>
           </a:blip>
@@ -3344,252 +3365,285 @@
           <a:chExt cx="0" cy="0"/>
         </a:xfrm>
       </p:grpSpPr>
+      <p:sp>
+        <p:nvSpPr>
+          <p:cNvPr id="2" name="CasellaDiTesto 1"/>
+          <p:cNvSpPr txBox="1"/>
+          <p:nvPr/>
+        </p:nvSpPr>
+        <p:spPr>
+          <a:xfrm>
+            <a:off x="0" y="267286"/>
+            <a:ext cx="12192000" cy="1015663"/>
+          </a:xfrm>
+          <a:prstGeom prst="rect">
+            <a:avLst/>
+          </a:prstGeom>
+          <a:noFill/>
+        </p:spPr>
+        <p:txBody>
+          <a:bodyPr wrap="square" rtlCol="0">
+            <a:spAutoFit/>
+          </a:bodyPr>
+          <a:lstStyle/>
+          <a:p>
+            <a:pPr algn="ctr"/>
+            <a:r>
+              <a:rPr lang="it-IT" sz="3000" i="1" dirty="0" smtClean="0">
+                <a:solidFill>
+                  <a:schemeClr val="bg1"/>
+                </a:solidFill>
+              </a:rPr>
+              <a:t>ALMA MATER STUDIORUM - UNIVERSITA </a:t>
+            </a:r>
+            <a:r>
+              <a:rPr lang="it-IT" sz="3000" i="1" dirty="0" err="1" smtClean="0">
+                <a:solidFill>
+                  <a:schemeClr val="bg1"/>
+                </a:solidFill>
+              </a:rPr>
+              <a:t>DI</a:t>
+            </a:r>
+            <a:r>
+              <a:rPr lang="it-IT" sz="3000" i="1" dirty="0" smtClean="0">
+                <a:solidFill>
+                  <a:schemeClr val="bg1"/>
+                </a:solidFill>
+              </a:rPr>
+              <a:t> BOLOGNA </a:t>
+            </a:r>
+            <a:endParaRPr lang="it-IT" sz="3000" i="1" dirty="0" smtClean="0">
+              <a:solidFill>
+                <a:schemeClr val="bg1"/>
+              </a:solidFill>
+            </a:endParaRPr>
+          </a:p>
+          <a:p>
+            <a:pPr algn="ctr"/>
+            <a:r>
+              <a:rPr lang="it-IT" sz="3000" i="1" dirty="0" smtClean="0">
+                <a:solidFill>
+                  <a:schemeClr val="bg1"/>
+                </a:solidFill>
+              </a:rPr>
+              <a:t>SCUOLA </a:t>
+            </a:r>
+            <a:r>
+              <a:rPr lang="it-IT" sz="3000" i="1" dirty="0" err="1" smtClean="0">
+                <a:solidFill>
+                  <a:schemeClr val="bg1"/>
+                </a:solidFill>
+              </a:rPr>
+              <a:t>DI</a:t>
+            </a:r>
+            <a:r>
+              <a:rPr lang="it-IT" sz="3000" i="1" dirty="0" smtClean="0">
+                <a:solidFill>
+                  <a:schemeClr val="bg1"/>
+                </a:solidFill>
+              </a:rPr>
+              <a:t> INGEGNERIA E ARCHITETTURA</a:t>
+            </a:r>
+            <a:endParaRPr lang="it-IT" sz="3000" i="1" dirty="0">
+              <a:solidFill>
+                <a:schemeClr val="bg1"/>
+              </a:solidFill>
+            </a:endParaRPr>
+          </a:p>
+        </p:txBody>
+      </p:sp>
+      <p:sp>
+        <p:nvSpPr>
+          <p:cNvPr id="3" name="CasellaDiTesto 2"/>
+          <p:cNvSpPr txBox="1"/>
+          <p:nvPr/>
+        </p:nvSpPr>
+        <p:spPr>
+          <a:xfrm>
+            <a:off x="0" y="1561514"/>
+            <a:ext cx="12192000" cy="5170646"/>
+          </a:xfrm>
+          <a:prstGeom prst="rect">
+            <a:avLst/>
+          </a:prstGeom>
+          <a:noFill/>
+        </p:spPr>
+        <p:txBody>
+          <a:bodyPr wrap="square" rtlCol="0">
+            <a:spAutoFit/>
+          </a:bodyPr>
+          <a:lstStyle/>
+          <a:p>
+            <a:pPr algn="ctr"/>
+            <a:r>
+              <a:rPr lang="it-IT" sz="2400" i="1" dirty="0" smtClean="0"/>
+              <a:t>Dipartimento di </a:t>
+            </a:r>
+            <a:r>
+              <a:rPr lang="it-IT" sz="2400" i="1" dirty="0" smtClean="0"/>
+              <a:t>Informatica</a:t>
+            </a:r>
+          </a:p>
+          <a:p>
+            <a:pPr algn="ctr"/>
+            <a:r>
+              <a:rPr lang="it-IT" sz="2400" i="1" dirty="0" smtClean="0"/>
+              <a:t> </a:t>
+            </a:r>
+            <a:r>
+              <a:rPr lang="it-IT" sz="2400" i="1" dirty="0" smtClean="0"/>
+              <a:t>- Scienza e Ingegneria </a:t>
+            </a:r>
+            <a:r>
+              <a:rPr lang="it-IT" sz="2400" i="1" dirty="0" smtClean="0"/>
+              <a:t>– </a:t>
+            </a:r>
+          </a:p>
+          <a:p>
+            <a:pPr algn="ctr"/>
+            <a:r>
+              <a:rPr lang="it-IT" sz="2400" i="1" dirty="0" smtClean="0"/>
+              <a:t>DISI </a:t>
+            </a:r>
+            <a:r>
+              <a:rPr lang="it-IT" sz="2400" i="1" dirty="0" smtClean="0"/>
+              <a:t>Corso di Laurea Magistrale in Ingegneria </a:t>
+            </a:r>
+            <a:r>
+              <a:rPr lang="it-IT" sz="2400" i="1" dirty="0" smtClean="0"/>
+              <a:t>Informatica</a:t>
+            </a:r>
+          </a:p>
+          <a:p>
+            <a:pPr algn="ctr"/>
+            <a:endParaRPr lang="it-IT" sz="2400" i="1" dirty="0" smtClean="0"/>
+          </a:p>
+          <a:p>
+            <a:pPr algn="ctr"/>
+            <a:r>
+              <a:rPr lang="it-IT" sz="2400" i="1" dirty="0" smtClean="0"/>
+              <a:t> </a:t>
+            </a:r>
+            <a:r>
+              <a:rPr lang="it-IT" sz="2400" i="1" dirty="0" smtClean="0"/>
+              <a:t>PROJECT WORK </a:t>
+            </a:r>
+            <a:r>
+              <a:rPr lang="it-IT" sz="2400" i="1" dirty="0" smtClean="0"/>
+              <a:t>on </a:t>
+            </a:r>
+          </a:p>
+          <a:p>
+            <a:pPr algn="ctr"/>
+            <a:r>
+              <a:rPr lang="it-IT" sz="2400" b="1" i="1" dirty="0" smtClean="0"/>
+              <a:t>DATA </a:t>
+            </a:r>
+            <a:r>
+              <a:rPr lang="it-IT" sz="2400" b="1" i="1" dirty="0" smtClean="0"/>
+              <a:t>MINING </a:t>
+            </a:r>
+            <a:endParaRPr lang="it-IT" sz="2400" b="1" i="1" dirty="0" smtClean="0"/>
+          </a:p>
+          <a:p>
+            <a:pPr algn="ctr"/>
+            <a:endParaRPr lang="it-IT" sz="2400" i="1" dirty="0" smtClean="0"/>
+          </a:p>
+          <a:p>
+            <a:pPr algn="ctr"/>
+            <a:endParaRPr lang="it-IT" sz="2400" i="1" dirty="0" smtClean="0"/>
+          </a:p>
+          <a:p>
+            <a:pPr algn="ctr"/>
+            <a:endParaRPr lang="it-IT" sz="2400" i="1" dirty="0" smtClean="0"/>
+          </a:p>
+          <a:p>
+            <a:pPr algn="ctr"/>
+            <a:endParaRPr lang="it-IT" sz="2400" i="1" dirty="0" smtClean="0"/>
+          </a:p>
+          <a:p>
+            <a:pPr algn="ctr"/>
+            <a:endParaRPr lang="it-IT" sz="2400" i="1" dirty="0" smtClean="0"/>
+          </a:p>
+          <a:p>
+            <a:pPr algn="ctr"/>
+            <a:r>
+              <a:rPr lang="it-IT" sz="2400" i="1" dirty="0" smtClean="0"/>
+              <a:t>A </a:t>
+            </a:r>
+            <a:r>
+              <a:rPr lang="it-IT" sz="2400" i="1" dirty="0" err="1" smtClean="0"/>
+              <a:t>solution</a:t>
+            </a:r>
+            <a:r>
+              <a:rPr lang="it-IT" sz="2400" i="1" dirty="0" smtClean="0"/>
+              <a:t> </a:t>
+            </a:r>
+            <a:r>
+              <a:rPr lang="it-IT" sz="2400" i="1" dirty="0" err="1" smtClean="0"/>
+              <a:t>for</a:t>
+            </a:r>
+            <a:r>
+              <a:rPr lang="it-IT" sz="2400" i="1" dirty="0" smtClean="0"/>
+              <a:t> the LANL </a:t>
+            </a:r>
+            <a:r>
+              <a:rPr lang="it-IT" sz="2400" i="1" dirty="0" err="1" smtClean="0"/>
+              <a:t>Earthquake</a:t>
+            </a:r>
+            <a:r>
+              <a:rPr lang="it-IT" sz="2400" i="1" dirty="0" smtClean="0"/>
+              <a:t> </a:t>
+            </a:r>
+            <a:endParaRPr lang="it-IT" sz="2400" i="1" dirty="0" smtClean="0"/>
+          </a:p>
+          <a:p>
+            <a:pPr algn="ctr"/>
+            <a:r>
+              <a:rPr lang="it-IT" sz="2400" i="1" dirty="0" err="1" smtClean="0"/>
+              <a:t>Prediction</a:t>
+            </a:r>
+            <a:r>
+              <a:rPr lang="it-IT" sz="2400" i="1" dirty="0" smtClean="0"/>
+              <a:t> </a:t>
+            </a:r>
+            <a:r>
+              <a:rPr lang="it-IT" sz="2400" i="1" dirty="0" smtClean="0"/>
+              <a:t>challenge in </a:t>
+            </a:r>
+            <a:r>
+              <a:rPr lang="it-IT" sz="2400" i="1" dirty="0" err="1" smtClean="0"/>
+              <a:t>Python</a:t>
+            </a:r>
+            <a:r>
+              <a:rPr lang="it-IT" sz="2400" i="1" dirty="0" smtClean="0"/>
+              <a:t> </a:t>
+            </a:r>
+            <a:endParaRPr lang="it-IT" sz="2400" i="1" dirty="0" smtClean="0"/>
+          </a:p>
+          <a:p>
+            <a:pPr algn="ctr"/>
+            <a:endParaRPr lang="it-IT" b="1" dirty="0" smtClean="0"/>
+          </a:p>
+        </p:txBody>
+      </p:sp>
     </p:spTree>
     <p:extLst>
       <p:ext uri="{BB962C8B-B14F-4D97-AF65-F5344CB8AC3E}">
-        <p14:creationId xmlns:p14="http://schemas.microsoft.com/office/powerpoint/2010/main" val="3283325587"/>
+        <p14:creationId xmlns:p14="http://schemas.microsoft.com/office/powerpoint/2010/main" xmlns="" val="3283325587"/>
       </p:ext>
     </p:extLst>
   </p:cSld>
   <p:clrMapOvr>
     <a:masterClrMapping/>
   </p:clrMapOvr>
-</p:sld>
-</file>
-
-<file path=ppt/slides/slide2.xml><?xml version="1.0" encoding="utf-8"?>
-<p:sld xmlns:a="http://schemas.openxmlformats.org/drawingml/2006/main" xmlns:r="http://schemas.openxmlformats.org/officeDocument/2006/relationships" xmlns:p="http://schemas.openxmlformats.org/presentationml/2006/main">
-  <p:cSld>
-    <p:bg>
-      <p:bgPr>
-        <a:blipFill dpi="0" rotWithShape="1">
-          <a:blip r:embed="rId2">
-            <a:alphaModFix amt="60000"/>
-            <a:lum/>
-            <a:extLst>
-              <a:ext uri="{837473B0-CC2E-450A-ABE3-18F120FF3D39}">
-                <a1611:picAttrSrcUrl xmlns:a1611="http://schemas.microsoft.com/office/drawing/2016/11/main" r:id="rId3"/>
-              </a:ext>
-            </a:extLst>
-          </a:blip>
-          <a:srcRect/>
-          <a:stretch>
-            <a:fillRect t="-9000" b="-9000"/>
-          </a:stretch>
-        </a:blipFill>
-        <a:effectLst/>
-      </p:bgPr>
-    </p:bg>
-    <p:spTree>
-      <p:nvGrpSpPr>
-        <p:cNvPr id="1" name=""/>
-        <p:cNvGrpSpPr/>
-        <p:nvPr/>
-      </p:nvGrpSpPr>
-      <p:grpSpPr>
-        <a:xfrm>
-          <a:off x="0" y="0"/>
-          <a:ext cx="0" cy="0"/>
-          <a:chOff x="0" y="0"/>
-          <a:chExt cx="0" cy="0"/>
-        </a:xfrm>
-      </p:grpSpPr>
-      <p:sp>
-        <p:nvSpPr>
-          <p:cNvPr id="5" name="Titolo 4">
-            <a:extLst>
-              <a:ext uri="{FF2B5EF4-FFF2-40B4-BE49-F238E27FC236}">
-                <a16:creationId xmlns:a16="http://schemas.microsoft.com/office/drawing/2014/main" id="{2D186958-13E4-4EF9-A03F-0E47272986CC}"/>
-              </a:ext>
-            </a:extLst>
-          </p:cNvPr>
-          <p:cNvSpPr>
-            <a:spLocks noGrp="1"/>
-          </p:cNvSpPr>
-          <p:nvPr>
-            <p:ph type="title"/>
-          </p:nvPr>
-        </p:nvSpPr>
-        <p:spPr/>
-        <p:txBody>
-          <a:bodyPr/>
-          <a:lstStyle/>
-          <a:p>
-            <a:endParaRPr lang="it-IT"/>
-          </a:p>
-        </p:txBody>
-      </p:sp>
-    </p:spTree>
-    <p:extLst>
-      <p:ext uri="{BB962C8B-B14F-4D97-AF65-F5344CB8AC3E}">
-        <p14:creationId xmlns:p14="http://schemas.microsoft.com/office/powerpoint/2010/main" val="4055766985"/>
-      </p:ext>
-    </p:extLst>
-  </p:cSld>
-  <p:clrMapOvr>
-    <a:masterClrMapping/>
-  </p:clrMapOvr>
-</p:sld>
-</file>
-
-<file path=ppt/slides/slide3.xml><?xml version="1.0" encoding="utf-8"?>
-<p:sld xmlns:a="http://schemas.openxmlformats.org/drawingml/2006/main" xmlns:r="http://schemas.openxmlformats.org/officeDocument/2006/relationships" xmlns:p="http://schemas.openxmlformats.org/presentationml/2006/main">
-  <p:cSld>
-    <p:bg>
-      <p:bgPr>
-        <a:blipFill dpi="0" rotWithShape="1">
-          <a:blip r:embed="rId2">
-            <a:lum/>
-          </a:blip>
-          <a:srcRect/>
-          <a:stretch>
-            <a:fillRect t="-17000" b="-17000"/>
-          </a:stretch>
-        </a:blipFill>
-        <a:effectLst/>
-      </p:bgPr>
-    </p:bg>
-    <p:spTree>
-      <p:nvGrpSpPr>
-        <p:cNvPr id="1" name=""/>
-        <p:cNvGrpSpPr/>
-        <p:nvPr/>
-      </p:nvGrpSpPr>
-      <p:grpSpPr>
-        <a:xfrm>
-          <a:off x="0" y="0"/>
-          <a:ext cx="0" cy="0"/>
-          <a:chOff x="0" y="0"/>
-          <a:chExt cx="0" cy="0"/>
-        </a:xfrm>
-      </p:grpSpPr>
-      <p:sp>
-        <p:nvSpPr>
-          <p:cNvPr id="5" name="Titolo 4">
-            <a:extLst>
-              <a:ext uri="{FF2B5EF4-FFF2-40B4-BE49-F238E27FC236}">
-                <a16:creationId xmlns:a16="http://schemas.microsoft.com/office/drawing/2014/main" id="{513279B7-27D4-4342-A4CA-43460C11BCD4}"/>
-              </a:ext>
-            </a:extLst>
-          </p:cNvPr>
-          <p:cNvSpPr>
-            <a:spLocks noGrp="1"/>
-          </p:cNvSpPr>
-          <p:nvPr>
-            <p:ph type="ctrTitle"/>
-          </p:nvPr>
-        </p:nvSpPr>
-        <p:spPr/>
-        <p:txBody>
-          <a:bodyPr/>
-          <a:lstStyle/>
-          <a:p>
-            <a:endParaRPr lang="it-IT" dirty="0"/>
-          </a:p>
-        </p:txBody>
-      </p:sp>
-    </p:spTree>
-    <p:extLst>
-      <p:ext uri="{BB962C8B-B14F-4D97-AF65-F5344CB8AC3E}">
-        <p14:creationId xmlns:p14="http://schemas.microsoft.com/office/powerpoint/2010/main" val="535495656"/>
-      </p:ext>
-    </p:extLst>
-  </p:cSld>
-  <p:clrMapOvr>
-    <a:masterClrMapping/>
-  </p:clrMapOvr>
-</p:sld>
-</file>
-
-<file path=ppt/slides/slide4.xml><?xml version="1.0" encoding="utf-8"?>
-<p:sld xmlns:a="http://schemas.openxmlformats.org/drawingml/2006/main" xmlns:r="http://schemas.openxmlformats.org/officeDocument/2006/relationships" xmlns:p="http://schemas.openxmlformats.org/presentationml/2006/main">
-  <p:cSld>
-    <p:bg>
-      <p:bgPr>
-        <a:blipFill dpi="0" rotWithShape="1">
-          <a:blip r:embed="rId2">
-            <a:alphaModFix amt="43000"/>
-            <a:lum/>
-            <a:extLst>
-              <a:ext uri="{837473B0-CC2E-450A-ABE3-18F120FF3D39}">
-                <a1611:picAttrSrcUrl xmlns:a1611="http://schemas.microsoft.com/office/drawing/2016/11/main" r:id="rId3"/>
-              </a:ext>
-            </a:extLst>
-          </a:blip>
-          <a:srcRect/>
-          <a:stretch>
-            <a:fillRect/>
-          </a:stretch>
-        </a:blipFill>
-        <a:effectLst/>
-      </p:bgPr>
-    </p:bg>
-    <p:spTree>
-      <p:nvGrpSpPr>
-        <p:cNvPr id="1" name=""/>
-        <p:cNvGrpSpPr/>
-        <p:nvPr/>
-      </p:nvGrpSpPr>
-      <p:grpSpPr>
-        <a:xfrm>
-          <a:off x="0" y="0"/>
-          <a:ext cx="0" cy="0"/>
-          <a:chOff x="0" y="0"/>
-          <a:chExt cx="0" cy="0"/>
-        </a:xfrm>
-      </p:grpSpPr>
-      <p:sp>
-        <p:nvSpPr>
-          <p:cNvPr id="3" name="Segnaposto contenuto 2">
-            <a:extLst>
-              <a:ext uri="{FF2B5EF4-FFF2-40B4-BE49-F238E27FC236}">
-                <a16:creationId xmlns:a16="http://schemas.microsoft.com/office/drawing/2014/main" id="{73A2DCAF-E327-4145-89DB-B336CAEC2D63}"/>
-              </a:ext>
-            </a:extLst>
-          </p:cNvPr>
-          <p:cNvSpPr>
-            <a:spLocks noGrp="1"/>
-          </p:cNvSpPr>
-          <p:nvPr>
-            <p:ph idx="1"/>
-          </p:nvPr>
-        </p:nvSpPr>
-        <p:spPr>
-          <a:xfrm>
-            <a:off x="4640943" y="18254"/>
-            <a:ext cx="7551057" cy="6839745"/>
-          </a:xfrm>
-        </p:spPr>
-        <p:txBody>
-          <a:bodyPr/>
-          <a:lstStyle/>
-          <a:p>
-            <a:endParaRPr lang="it-IT" dirty="0"/>
-          </a:p>
-          <a:p>
-            <a:endParaRPr lang="it-IT" dirty="0"/>
-          </a:p>
-          <a:p>
-            <a:endParaRPr lang="it-IT" dirty="0"/>
-          </a:p>
-          <a:p>
-            <a:endParaRPr lang="it-IT" dirty="0"/>
-          </a:p>
-          <a:p>
-            <a:endParaRPr lang="it-IT" dirty="0"/>
-          </a:p>
-        </p:txBody>
-      </p:sp>
-    </p:spTree>
-    <p:extLst>
-      <p:ext uri="{BB962C8B-B14F-4D97-AF65-F5344CB8AC3E}">
-        <p14:creationId xmlns:p14="http://schemas.microsoft.com/office/powerpoint/2010/main" val="2571330407"/>
-      </p:ext>
-    </p:extLst>
-  </p:cSld>
-  <p:clrMapOvr>
-    <a:masterClrMapping/>
-  </p:clrMapOvr>
+  <p:timing>
+    <p:tnLst>
+      <p:par>
+        <p:cTn id="1" dur="indefinite" restart="never" nodeType="tmRoot"/>
+      </p:par>
+    </p:tnLst>
+  </p:timing>
 </p:sld>
 </file>
 
@@ -3636,7 +3690,7 @@
     </a:clrScheme>
     <a:fontScheme name="Office">
       <a:majorFont>
-        <a:latin typeface="Calibri Light" panose="020F0302020204030204"/>
+        <a:latin typeface="Calibri Light"/>
         <a:ea typeface=""/>
         <a:cs typeface=""/>
         <a:font script="Jpan" typeface="游ゴシック Light"/>
@@ -3688,7 +3742,7 @@
         <a:font script="Tfng" typeface="Ebrima"/>
       </a:majorFont>
       <a:minorFont>
-        <a:latin typeface="Calibri" panose="020F0502020204030204"/>
+        <a:latin typeface="Calibri"/>
         <a:ea typeface=""/>
         <a:cs typeface=""/>
         <a:font script="Jpan" typeface="游ゴシック"/>
@@ -3882,7 +3936,7 @@
   <a:extraClrSchemeLst/>
   <a:extLst>
     <a:ext uri="{05A4C25C-085E-4340-85A3-A5531E510DB2}">
-      <thm15:themeFamily xmlns:thm15="http://schemas.microsoft.com/office/thememl/2012/main" name="Office Theme" id="{62F939B6-93AF-4DB8-9C6B-D6C7DFDC589F}" vid="{4A3C46E8-61CC-4603-A589-7422A47A8E4A}"/>
+      <thm15:themeFamily xmlns:thm15="http://schemas.microsoft.com/office/thememl/2012/main" xmlns="" name="Office Theme" id="{62F939B6-93AF-4DB8-9C6B-D6C7DFDC589F}" vid="{4A3C46E8-61CC-4603-A589-7422A47A8E4A}"/>
     </a:ext>
   </a:extLst>
 </a:theme>
